--- a/00 Welcome/Welcome.pptx
+++ b/00 Welcome/Welcome.pptx
@@ -1464,7 +1464,7 @@
         <a:p>
           <a:r>
             <a:rPr lang="fr-FR" sz="1800" dirty="0" smtClean="0"/>
-            <a:t>Core concepts</a:t>
+            <a:t>Modules</a:t>
           </a:r>
           <a:endParaRPr lang="fr-FR" sz="1800" dirty="0"/>
         </a:p>
@@ -2013,80 +2013,6 @@
         </a:p>
       </dgm:t>
     </dgm:pt>
-    <dgm:pt modelId="{6F01CA8C-3581-480F-9C03-B5A28B8617C0}">
-      <dgm:prSet custT="1"/>
-      <dgm:spPr/>
-      <dgm:t>
-        <a:bodyPr/>
-        <a:lstStyle/>
-        <a:p>
-          <a:r>
-            <a:rPr lang="fr-FR" sz="1800" dirty="0" smtClean="0"/>
-            <a:t>bower &amp; npm</a:t>
-          </a:r>
-          <a:endParaRPr lang="fr-FR" sz="1800" dirty="0"/>
-        </a:p>
-      </dgm:t>
-    </dgm:pt>
-    <dgm:pt modelId="{7B2AFEF7-646E-455E-929E-5914D7038AF2}" type="parTrans" cxnId="{5FD28ADB-9749-4F9E-B943-ADF4A68A2562}">
-      <dgm:prSet/>
-      <dgm:spPr/>
-      <dgm:t>
-        <a:bodyPr/>
-        <a:lstStyle/>
-        <a:p>
-          <a:endParaRPr lang="fr-FR"/>
-        </a:p>
-      </dgm:t>
-    </dgm:pt>
-    <dgm:pt modelId="{9AC70B6A-A4CB-4D25-BB2E-BD49E8553147}" type="sibTrans" cxnId="{5FD28ADB-9749-4F9E-B943-ADF4A68A2562}">
-      <dgm:prSet/>
-      <dgm:spPr/>
-      <dgm:t>
-        <a:bodyPr/>
-        <a:lstStyle/>
-        <a:p>
-          <a:endParaRPr lang="fr-FR"/>
-        </a:p>
-      </dgm:t>
-    </dgm:pt>
-    <dgm:pt modelId="{CDB9A819-E022-464D-9CB5-654F50B1E826}">
-      <dgm:prSet custT="1"/>
-      <dgm:spPr/>
-      <dgm:t>
-        <a:bodyPr/>
-        <a:lstStyle/>
-        <a:p>
-          <a:r>
-            <a:rPr lang="fr-FR" sz="1800" dirty="0" smtClean="0"/>
-            <a:t>gulp</a:t>
-          </a:r>
-          <a:endParaRPr lang="fr-FR" sz="1800" dirty="0"/>
-        </a:p>
-      </dgm:t>
-    </dgm:pt>
-    <dgm:pt modelId="{8522B5E5-F331-4FCF-89E9-843BFABF4144}" type="parTrans" cxnId="{70C2531A-EECD-491D-B9CB-7B989A590014}">
-      <dgm:prSet/>
-      <dgm:spPr/>
-      <dgm:t>
-        <a:bodyPr/>
-        <a:lstStyle/>
-        <a:p>
-          <a:endParaRPr lang="fr-FR"/>
-        </a:p>
-      </dgm:t>
-    </dgm:pt>
-    <dgm:pt modelId="{B6B6E29E-5A6B-430D-9B0D-CE9A3E8DF7D5}" type="sibTrans" cxnId="{70C2531A-EECD-491D-B9CB-7B989A590014}">
-      <dgm:prSet/>
-      <dgm:spPr/>
-      <dgm:t>
-        <a:bodyPr/>
-        <a:lstStyle/>
-        <a:p>
-          <a:endParaRPr lang="fr-FR"/>
-        </a:p>
-      </dgm:t>
-    </dgm:pt>
     <dgm:pt modelId="{871A7859-C30B-4B4D-B645-24C3E9031DB7}">
       <dgm:prSet custT="1"/>
       <dgm:spPr/>
@@ -2135,7 +2061,7 @@
         <a:lstStyle/>
         <a:p>
           <a:r>
-            <a:rPr lang="fr-FR" sz="1800" dirty="0" smtClean="0"/>
+            <a:rPr lang="fr-FR" sz="1800" dirty="0" err="1" smtClean="0"/>
             <a:t>yo</a:t>
           </a:r>
           <a:endParaRPr lang="fr-FR" sz="1800" dirty="0"/>
@@ -2164,22 +2090,18 @@
         </a:p>
       </dgm:t>
     </dgm:pt>
-    <dgm:pt modelId="{D63AB0CB-C608-4F8B-A1E7-2749A50FB330}">
+    <dgm:pt modelId="{B201BF22-5AA1-4A68-B3AE-0D941CAF681A}">
       <dgm:prSet custT="1"/>
       <dgm:spPr/>
       <dgm:t>
         <a:bodyPr/>
         <a:lstStyle/>
         <a:p>
-          <a:r>
-            <a:rPr lang="fr-FR" sz="1800" dirty="0" smtClean="0"/>
-            <a:t>Testing</a:t>
-          </a:r>
           <a:endParaRPr lang="fr-FR" sz="1800" dirty="0"/>
         </a:p>
       </dgm:t>
     </dgm:pt>
-    <dgm:pt modelId="{F5D01D06-75C8-49E5-BC97-9D6E452E08E5}" type="parTrans" cxnId="{D3113BAF-5175-4C2C-A399-0C10D2A87A66}">
+    <dgm:pt modelId="{6FCBA5BB-1973-4DDA-9E17-EB3E5717B2A0}" type="parTrans" cxnId="{2C78497C-6A89-441F-B5A9-1A03C85509B7}">
       <dgm:prSet/>
       <dgm:spPr/>
       <dgm:t>
@@ -2190,7 +2112,7 @@
         </a:p>
       </dgm:t>
     </dgm:pt>
-    <dgm:pt modelId="{CC40CE7E-7BC2-4CBD-9080-BFD12262DC36}" type="sibTrans" cxnId="{D3113BAF-5175-4C2C-A399-0C10D2A87A66}">
+    <dgm:pt modelId="{D8F9911E-CCB9-4B9A-8A99-B0AA55F0C401}" type="sibTrans" cxnId="{2C78497C-6A89-441F-B5A9-1A03C85509B7}">
       <dgm:prSet/>
       <dgm:spPr/>
       <dgm:t>
@@ -2201,7 +2123,7 @@
         </a:p>
       </dgm:t>
     </dgm:pt>
-    <dgm:pt modelId="{C73CA60C-B126-440D-A477-DD3BA8FE024F}">
+    <dgm:pt modelId="{0DE4C97B-9B7F-41F0-B49F-52EF2948C6F4}">
       <dgm:prSet custT="1"/>
       <dgm:spPr/>
       <dgm:t>
@@ -2210,13 +2132,17 @@
         <a:p>
           <a:r>
             <a:rPr lang="fr-FR" sz="1800" dirty="0" smtClean="0"/>
-            <a:t>The future and angular</a:t>
+            <a:t>The future of </a:t>
+          </a:r>
+          <a:r>
+            <a:rPr lang="fr-FR" sz="1800" dirty="0" err="1" smtClean="0"/>
+            <a:t>angular</a:t>
           </a:r>
           <a:endParaRPr lang="fr-FR" sz="1800" dirty="0"/>
         </a:p>
       </dgm:t>
     </dgm:pt>
-    <dgm:pt modelId="{7B2C59B6-0A6E-4D4B-A689-388760769D4C}" type="parTrans" cxnId="{87605E3A-ED0E-4F13-A0BD-829DEF528DA0}">
+    <dgm:pt modelId="{7F01608A-0DC0-4389-883A-EBA555375004}" type="parTrans" cxnId="{0E0B8523-1413-4FF5-9C5A-21520E590F48}">
       <dgm:prSet/>
       <dgm:spPr/>
       <dgm:t>
@@ -2227,7 +2153,122 @@
         </a:p>
       </dgm:t>
     </dgm:pt>
-    <dgm:pt modelId="{2F4FC2AA-2003-4518-9783-8884083B4674}" type="sibTrans" cxnId="{87605E3A-ED0E-4F13-A0BD-829DEF528DA0}">
+    <dgm:pt modelId="{DBDDB3C1-A9BF-45F9-94A9-6B94F7F246A6}" type="sibTrans" cxnId="{0E0B8523-1413-4FF5-9C5A-21520E590F48}">
+      <dgm:prSet/>
+      <dgm:spPr/>
+      <dgm:t>
+        <a:bodyPr/>
+        <a:lstStyle/>
+        <a:p>
+          <a:endParaRPr lang="fr-FR"/>
+        </a:p>
+      </dgm:t>
+    </dgm:pt>
+    <dgm:pt modelId="{40E637D8-E57F-4A01-A219-CE4A03DDB958}">
+      <dgm:prSet custT="1"/>
+      <dgm:spPr/>
+      <dgm:t>
+        <a:bodyPr/>
+        <a:lstStyle/>
+        <a:p>
+          <a:r>
+            <a:rPr lang="fr-FR" sz="1800" dirty="0" err="1" smtClean="0"/>
+            <a:t>bower</a:t>
+          </a:r>
+          <a:r>
+            <a:rPr lang="fr-FR" sz="1800" dirty="0" smtClean="0"/>
+            <a:t> &amp; </a:t>
+          </a:r>
+          <a:r>
+            <a:rPr lang="fr-FR" sz="1800" dirty="0" err="1" smtClean="0"/>
+            <a:t>npm</a:t>
+          </a:r>
+          <a:endParaRPr lang="fr-FR" sz="1800" dirty="0"/>
+        </a:p>
+      </dgm:t>
+    </dgm:pt>
+    <dgm:pt modelId="{472CCC19-6376-430E-AF43-8153EBF1BDD9}" type="parTrans" cxnId="{CFEA82CF-8F34-4AA5-AE9D-8F641333559C}">
+      <dgm:prSet/>
+      <dgm:spPr/>
+      <dgm:t>
+        <a:bodyPr/>
+        <a:lstStyle/>
+        <a:p>
+          <a:endParaRPr lang="fr-FR"/>
+        </a:p>
+      </dgm:t>
+    </dgm:pt>
+    <dgm:pt modelId="{AD92DC9B-7C9A-4C5D-887A-CDD56B1C37C3}" type="sibTrans" cxnId="{CFEA82CF-8F34-4AA5-AE9D-8F641333559C}">
+      <dgm:prSet/>
+      <dgm:spPr/>
+      <dgm:t>
+        <a:bodyPr/>
+        <a:lstStyle/>
+        <a:p>
+          <a:endParaRPr lang="fr-FR"/>
+        </a:p>
+      </dgm:t>
+    </dgm:pt>
+    <dgm:pt modelId="{A1EF9DA4-6CE5-44B7-9EC8-090A36441BC8}">
+      <dgm:prSet custT="1"/>
+      <dgm:spPr/>
+      <dgm:t>
+        <a:bodyPr/>
+        <a:lstStyle/>
+        <a:p>
+          <a:r>
+            <a:rPr lang="fr-FR" sz="1800" dirty="0" err="1" smtClean="0"/>
+            <a:t>gulp</a:t>
+          </a:r>
+          <a:endParaRPr lang="fr-FR" sz="1800" dirty="0"/>
+        </a:p>
+      </dgm:t>
+    </dgm:pt>
+    <dgm:pt modelId="{C405291C-59EB-4BA3-95AA-7613FE3F8AFA}" type="parTrans" cxnId="{0F6E2AB3-94F3-4AAF-8A74-3849F6D30664}">
+      <dgm:prSet/>
+      <dgm:spPr/>
+      <dgm:t>
+        <a:bodyPr/>
+        <a:lstStyle/>
+        <a:p>
+          <a:endParaRPr lang="fr-FR"/>
+        </a:p>
+      </dgm:t>
+    </dgm:pt>
+    <dgm:pt modelId="{8810849D-274B-42F6-B3DE-7AECA4190F64}" type="sibTrans" cxnId="{0F6E2AB3-94F3-4AAF-8A74-3849F6D30664}">
+      <dgm:prSet/>
+      <dgm:spPr/>
+      <dgm:t>
+        <a:bodyPr/>
+        <a:lstStyle/>
+        <a:p>
+          <a:endParaRPr lang="fr-FR"/>
+        </a:p>
+      </dgm:t>
+    </dgm:pt>
+    <dgm:pt modelId="{1B4ED638-3729-4ED8-94F3-ACB0D41A5F9C}">
+      <dgm:prSet custT="1"/>
+      <dgm:spPr/>
+      <dgm:t>
+        <a:bodyPr/>
+        <a:lstStyle/>
+        <a:p>
+          <a:endParaRPr lang="fr-FR" sz="1800" dirty="0"/>
+        </a:p>
+      </dgm:t>
+    </dgm:pt>
+    <dgm:pt modelId="{5A2EA629-54F2-466C-ABA7-9A04B34EE55A}" type="parTrans" cxnId="{137FCA95-3640-4B5C-A044-3E4D2E3CA963}">
+      <dgm:prSet/>
+      <dgm:spPr/>
+      <dgm:t>
+        <a:bodyPr/>
+        <a:lstStyle/>
+        <a:p>
+          <a:endParaRPr lang="fr-FR"/>
+        </a:p>
+      </dgm:t>
+    </dgm:pt>
+    <dgm:pt modelId="{103B9450-5BC6-4CCE-8F59-9BA6BBB547D1}" type="sibTrans" cxnId="{137FCA95-3640-4B5C-A044-3E4D2E3CA963}">
       <dgm:prSet/>
       <dgm:spPr/>
       <dgm:t>
@@ -2247,6 +2288,13 @@
         </dgm:presLayoutVars>
       </dgm:prSet>
       <dgm:spPr/>
+      <dgm:t>
+        <a:bodyPr/>
+        <a:lstStyle/>
+        <a:p>
+          <a:endParaRPr lang="fr-FR"/>
+        </a:p>
+      </dgm:t>
     </dgm:pt>
     <dgm:pt modelId="{E5B9ABDE-E645-4174-9AA6-5F05872E4F11}" type="pres">
       <dgm:prSet presAssocID="{CF64FF61-0A6C-412C-A5A6-965BBF92114F}" presName="compositeNode" presStyleCnt="0">
@@ -2257,8 +2305,15 @@
       <dgm:spPr/>
     </dgm:pt>
     <dgm:pt modelId="{857247AC-D092-40E2-A3AB-F5BBA7724E0D}" type="pres">
-      <dgm:prSet presAssocID="{CF64FF61-0A6C-412C-A5A6-965BBF92114F}" presName="bgRect" presStyleLbl="node1" presStyleIdx="0" presStyleCnt="3" custScaleY="132676"/>
+      <dgm:prSet presAssocID="{CF64FF61-0A6C-412C-A5A6-965BBF92114F}" presName="bgRect" presStyleLbl="node1" presStyleIdx="0" presStyleCnt="3" custScaleY="112651"/>
       <dgm:spPr/>
+      <dgm:t>
+        <a:bodyPr/>
+        <a:lstStyle/>
+        <a:p>
+          <a:endParaRPr lang="fr-FR"/>
+        </a:p>
+      </dgm:t>
     </dgm:pt>
     <dgm:pt modelId="{584C3341-5397-4F6B-A20F-021A7F889EFE}" type="pres">
       <dgm:prSet presAssocID="{CF64FF61-0A6C-412C-A5A6-965BBF92114F}" presName="parentNode" presStyleLbl="node1" presStyleIdx="0" presStyleCnt="3">
@@ -2268,6 +2323,13 @@
         </dgm:presLayoutVars>
       </dgm:prSet>
       <dgm:spPr/>
+      <dgm:t>
+        <a:bodyPr/>
+        <a:lstStyle/>
+        <a:p>
+          <a:endParaRPr lang="fr-FR"/>
+        </a:p>
+      </dgm:t>
     </dgm:pt>
     <dgm:pt modelId="{001844F4-3BE3-462E-99A9-6EE0F8864971}" type="pres">
       <dgm:prSet presAssocID="{CF64FF61-0A6C-412C-A5A6-965BBF92114F}" presName="childNode" presStyleLbl="node1" presStyleIdx="0" presStyleCnt="3">
@@ -2317,8 +2379,15 @@
       <dgm:spPr/>
     </dgm:pt>
     <dgm:pt modelId="{5E4B6B61-EF3E-45F1-90B8-BD51C782E4DD}" type="pres">
-      <dgm:prSet presAssocID="{F945D10D-5454-41F6-8B11-AF4FC51582A7}" presName="bgRect" presStyleLbl="node1" presStyleIdx="1" presStyleCnt="3" custScaleY="132676" custLinFactNeighborX="1354" custLinFactNeighborY="-1129"/>
+      <dgm:prSet presAssocID="{F945D10D-5454-41F6-8B11-AF4FC51582A7}" presName="bgRect" presStyleLbl="node1" presStyleIdx="1" presStyleCnt="3" custScaleY="112651" custLinFactNeighborX="1354" custLinFactNeighborY="-1129"/>
       <dgm:spPr/>
+      <dgm:t>
+        <a:bodyPr/>
+        <a:lstStyle/>
+        <a:p>
+          <a:endParaRPr lang="fr-FR"/>
+        </a:p>
+      </dgm:t>
     </dgm:pt>
     <dgm:pt modelId="{48DBAC79-AF4D-4077-9B40-9538EDB848B3}" type="pres">
       <dgm:prSet presAssocID="{F945D10D-5454-41F6-8B11-AF4FC51582A7}" presName="parentNode" presStyleLbl="node1" presStyleIdx="1" presStyleCnt="3">
@@ -2328,6 +2397,13 @@
         </dgm:presLayoutVars>
       </dgm:prSet>
       <dgm:spPr/>
+      <dgm:t>
+        <a:bodyPr/>
+        <a:lstStyle/>
+        <a:p>
+          <a:endParaRPr lang="fr-FR"/>
+        </a:p>
+      </dgm:t>
     </dgm:pt>
     <dgm:pt modelId="{DD8F9A2B-848F-4708-BDF4-FF668D68657C}" type="pres">
       <dgm:prSet presAssocID="{F945D10D-5454-41F6-8B11-AF4FC51582A7}" presName="childNode" presStyleLbl="node1" presStyleIdx="1" presStyleCnt="3">
@@ -2336,6 +2412,13 @@
         </dgm:presLayoutVars>
       </dgm:prSet>
       <dgm:spPr/>
+      <dgm:t>
+        <a:bodyPr/>
+        <a:lstStyle/>
+        <a:p>
+          <a:endParaRPr lang="fr-FR"/>
+        </a:p>
+      </dgm:t>
     </dgm:pt>
     <dgm:pt modelId="{B849D5F3-8B66-4BD0-A826-AFC65A45CEF0}" type="pres">
       <dgm:prSet presAssocID="{449BA2E9-94CB-4023-8A63-6AF2F672A397}" presName="hSp" presStyleCnt="0"/>
@@ -2370,8 +2453,15 @@
       <dgm:spPr/>
     </dgm:pt>
     <dgm:pt modelId="{CC06B582-6E9B-4438-AF1E-A88E8A5F1329}" type="pres">
-      <dgm:prSet presAssocID="{69CF0446-1ADD-48A6-AE6C-146C5D86BA1C}" presName="bgRect" presStyleLbl="node1" presStyleIdx="2" presStyleCnt="3" custScaleY="132676"/>
+      <dgm:prSet presAssocID="{69CF0446-1ADD-48A6-AE6C-146C5D86BA1C}" presName="bgRect" presStyleLbl="node1" presStyleIdx="2" presStyleCnt="3" custScaleY="112651"/>
       <dgm:spPr/>
+      <dgm:t>
+        <a:bodyPr/>
+        <a:lstStyle/>
+        <a:p>
+          <a:endParaRPr lang="fr-FR"/>
+        </a:p>
+      </dgm:t>
     </dgm:pt>
     <dgm:pt modelId="{F5CBA6C0-1F2A-4A6C-8E1D-E4F9F3A95B3F}" type="pres">
       <dgm:prSet presAssocID="{69CF0446-1ADD-48A6-AE6C-146C5D86BA1C}" presName="parentNode" presStyleLbl="node1" presStyleIdx="2" presStyleCnt="3">
@@ -2381,6 +2471,13 @@
         </dgm:presLayoutVars>
       </dgm:prSet>
       <dgm:spPr/>
+      <dgm:t>
+        <a:bodyPr/>
+        <a:lstStyle/>
+        <a:p>
+          <a:endParaRPr lang="fr-FR"/>
+        </a:p>
+      </dgm:t>
     </dgm:pt>
     <dgm:pt modelId="{0321C630-7C3F-429A-9713-A1AE383A0965}" type="pres">
       <dgm:prSet presAssocID="{69CF0446-1ADD-48A6-AE6C-146C5D86BA1C}" presName="childNode" presStyleLbl="node1" presStyleIdx="2" presStyleCnt="3">
@@ -2389,73 +2486,82 @@
         </dgm:presLayoutVars>
       </dgm:prSet>
       <dgm:spPr/>
+      <dgm:t>
+        <a:bodyPr/>
+        <a:lstStyle/>
+        <a:p>
+          <a:endParaRPr lang="fr-FR"/>
+        </a:p>
+      </dgm:t>
     </dgm:pt>
   </dgm:ptLst>
   <dgm:cxnLst>
+    <dgm:cxn modelId="{E7783DBB-54C2-4A5C-91F9-5FB9A5BE49D8}" srcId="{81432F9D-80A6-469A-99D6-E71B2F7379B4}" destId="{FB4B31F5-EE56-42CD-A3DE-AA0E3C88E07D}" srcOrd="2" destOrd="0" parTransId="{A338F487-C43C-4C1D-8E48-61F4063B20F0}" sibTransId="{EA7D2745-15D0-4985-994D-1833749FEB16}"/>
+    <dgm:cxn modelId="{E864BB40-A99B-4F6E-823E-DED7D968AA48}" type="presOf" srcId="{CF64FF61-0A6C-412C-A5A6-965BBF92114F}" destId="{857247AC-D092-40E2-A3AB-F5BBA7724E0D}" srcOrd="0" destOrd="0" presId="urn:microsoft.com/office/officeart/2005/8/layout/hProcess7"/>
+    <dgm:cxn modelId="{1FA1B3C0-5940-48C6-98CB-7A681F7EDC21}" type="presOf" srcId="{298D06B6-5F00-455F-9710-54AB2945662F}" destId="{DD8F9A2B-848F-4708-BDF4-FF668D68657C}" srcOrd="0" destOrd="2" presId="urn:microsoft.com/office/officeart/2005/8/layout/hProcess7"/>
+    <dgm:cxn modelId="{A7F3AAA8-CA69-446B-B637-77B0B4161DC3}" type="presOf" srcId="{1A6466BD-C50D-4C19-B02E-470AFDDC1450}" destId="{0321C630-7C3F-429A-9713-A1AE383A0965}" srcOrd="0" destOrd="0" presId="urn:microsoft.com/office/officeart/2005/8/layout/hProcess7"/>
+    <dgm:cxn modelId="{3E9D632C-A15E-43BA-9ED5-8A6F8950090B}" srcId="{871A7859-C30B-4B4D-B645-24C3E9031DB7}" destId="{C6ACDFD9-0989-42E3-97D3-3919415126BD}" srcOrd="2" destOrd="0" parTransId="{1D1B1FE8-9A12-4AA5-8E71-0A665193769F}" sibTransId="{2C9071A0-D337-4355-8C06-1392FD884BCB}"/>
+    <dgm:cxn modelId="{2A211FAD-B053-435B-B17F-D79C355A8555}" srcId="{5E99AB21-A707-45C9-B913-E42F04B06B37}" destId="{31190B30-790B-47E3-BCEE-3E9AF394B10E}" srcOrd="2" destOrd="0" parTransId="{B3300D65-1C77-468F-A723-D3C0DB79D5C3}" sibTransId="{B72921A4-A870-4068-8988-A10B09CAFC26}"/>
+    <dgm:cxn modelId="{5DF6FDD8-0802-4869-A210-DC90E4A06C66}" type="presOf" srcId="{D2A466B7-E51B-4378-B99A-08A32BC363C5}" destId="{DD8F9A2B-848F-4708-BDF4-FF668D68657C}" srcOrd="0" destOrd="3" presId="urn:microsoft.com/office/officeart/2005/8/layout/hProcess7"/>
+    <dgm:cxn modelId="{1CDD127A-9415-4684-893C-14B8F25F0149}" srcId="{1A6466BD-C50D-4C19-B02E-470AFDDC1450}" destId="{726E2297-297A-44C3-B498-E8CD6CB27078}" srcOrd="0" destOrd="0" parTransId="{CD111CD3-ED44-4FDF-9641-E139DD9F8AAB}" sibTransId="{9870E016-4586-483A-86EB-3427FD12F634}"/>
+    <dgm:cxn modelId="{0BF9F531-3931-4D7D-B454-54B25DA7B176}" srcId="{81432F9D-80A6-469A-99D6-E71B2F7379B4}" destId="{664BC886-B290-4A61-A328-0A26E4E92226}" srcOrd="0" destOrd="0" parTransId="{184D51F8-6B82-4834-BDAF-597F683D0E60}" sibTransId="{DB1CBCA1-78F2-48B3-9B4A-1A6250432647}"/>
+    <dgm:cxn modelId="{AE27F3F4-ACD5-47BD-B54E-E2B5DA660DB6}" type="presOf" srcId="{81432F9D-80A6-469A-99D6-E71B2F7379B4}" destId="{DD8F9A2B-848F-4708-BDF4-FF668D68657C}" srcOrd="0" destOrd="5" presId="urn:microsoft.com/office/officeart/2005/8/layout/hProcess7"/>
+    <dgm:cxn modelId="{14DA9D29-93A0-4B7A-B82F-22473A35AF22}" type="presOf" srcId="{29F56D7F-C294-4739-B1C9-F380F8EC58E5}" destId="{001844F4-3BE3-462E-99A9-6EE0F8864971}" srcOrd="0" destOrd="1" presId="urn:microsoft.com/office/officeart/2005/8/layout/hProcess7"/>
+    <dgm:cxn modelId="{1A4112C5-DD5D-4B08-8B4B-E2510E925766}" type="presOf" srcId="{C6ACDFD9-0989-42E3-97D3-3919415126BD}" destId="{0321C630-7C3F-429A-9713-A1AE383A0965}" srcOrd="0" destOrd="8" presId="urn:microsoft.com/office/officeart/2005/8/layout/hProcess7"/>
+    <dgm:cxn modelId="{4EFB9258-5A62-4D66-9B07-CF54D6992625}" type="presOf" srcId="{3C69143A-7A78-4BE4-BD9B-8064330C466D}" destId="{0321C630-7C3F-429A-9713-A1AE383A0965}" srcOrd="0" destOrd="3" presId="urn:microsoft.com/office/officeart/2005/8/layout/hProcess7"/>
+    <dgm:cxn modelId="{137FCA95-3640-4B5C-A044-3E4D2E3CA963}" srcId="{1A6466BD-C50D-4C19-B02E-470AFDDC1450}" destId="{1B4ED638-3729-4ED8-94F3-ACB0D41A5F9C}" srcOrd="3" destOrd="0" parTransId="{5A2EA629-54F2-466C-ABA7-9A04B34EE55A}" sibTransId="{103B9450-5BC6-4CCE-8F59-9BA6BBB547D1}"/>
+    <dgm:cxn modelId="{6188B0E6-187E-4948-B7A8-638941E97292}" type="presOf" srcId="{69B4C89A-739B-4EB7-88AA-DD335E573C81}" destId="{001844F4-3BE3-462E-99A9-6EE0F8864971}" srcOrd="0" destOrd="8" presId="urn:microsoft.com/office/officeart/2005/8/layout/hProcess7"/>
+    <dgm:cxn modelId="{B3AD62DE-A695-40E4-8013-A161B285F570}" type="presOf" srcId="{871A7859-C30B-4B4D-B645-24C3E9031DB7}" destId="{0321C630-7C3F-429A-9713-A1AE383A0965}" srcOrd="0" destOrd="5" presId="urn:microsoft.com/office/officeart/2005/8/layout/hProcess7"/>
+    <dgm:cxn modelId="{2C78497C-6A89-441F-B5A9-1A03C85509B7}" srcId="{2DAFD685-9A9B-4C15-B59F-8F5533596489}" destId="{B201BF22-5AA1-4A68-B3AE-0D941CAF681A}" srcOrd="3" destOrd="0" parTransId="{6FCBA5BB-1973-4DDA-9E17-EB3E5717B2A0}" sibTransId="{D8F9911E-CCB9-4B9A-8A99-B0AA55F0C401}"/>
+    <dgm:cxn modelId="{9298D11F-61B5-4C12-A086-A16B43C7FEE3}" srcId="{CF64FF61-0A6C-412C-A5A6-965BBF92114F}" destId="{69AD3B4A-A585-4663-BBA1-86283E3907A2}" srcOrd="1" destOrd="0" parTransId="{EA54551A-E0A5-41E5-BF53-DDC692B2510B}" sibTransId="{67268EF2-A13E-4962-BF23-2CF5B1B97D33}"/>
     <dgm:cxn modelId="{89150FC3-D6BD-48CD-B6F0-2EB91F1F2447}" srcId="{69AD3B4A-A585-4663-BBA1-86283E3907A2}" destId="{4CE08DCA-2882-4F66-8AC9-82519B27AF53}" srcOrd="1" destOrd="0" parTransId="{D31C2DAC-084F-4730-8677-36FE79B3A60C}" sibTransId="{E8CBD355-EF0A-4D9B-BAAD-721D1A2C6605}"/>
+    <dgm:cxn modelId="{149E6C5E-6E11-4A1D-BB7A-1EB387CB35C3}" srcId="{69AD3B4A-A585-4663-BBA1-86283E3907A2}" destId="{69B4C89A-739B-4EB7-88AA-DD335E573C81}" srcOrd="2" destOrd="0" parTransId="{63FB5A23-AB3C-4C0C-960A-868527E9A421}" sibTransId="{D2B33642-C058-475B-BD9E-17F8B6CDF8F3}"/>
+    <dgm:cxn modelId="{740E5A35-B332-46CB-9901-5A6B1039F14C}" type="presOf" srcId="{08AFC744-AF81-4656-ACE1-EBE50D64813A}" destId="{270B64D9-A18C-4CA9-AE8C-C99E9450D7BC}" srcOrd="0" destOrd="0" presId="urn:microsoft.com/office/officeart/2005/8/layout/hProcess7"/>
+    <dgm:cxn modelId="{D1751D11-DAB1-4E88-BA19-6993CC2A0EF3}" type="presOf" srcId="{CF64FF61-0A6C-412C-A5A6-965BBF92114F}" destId="{584C3341-5397-4F6B-A20F-021A7F889EFE}" srcOrd="1" destOrd="0" presId="urn:microsoft.com/office/officeart/2005/8/layout/hProcess7"/>
+    <dgm:cxn modelId="{632511D7-E5A4-4146-986D-2A86461153C9}" type="presOf" srcId="{69CF0446-1ADD-48A6-AE6C-146C5D86BA1C}" destId="{F5CBA6C0-1F2A-4A6C-8E1D-E4F9F3A95B3F}" srcOrd="1" destOrd="0" presId="urn:microsoft.com/office/officeart/2005/8/layout/hProcess7"/>
+    <dgm:cxn modelId="{9BBAD832-3899-42BD-9369-300C7B65C2C4}" type="presOf" srcId="{41385FC0-F774-4835-800E-46AB9CA47A12}" destId="{001844F4-3BE3-462E-99A9-6EE0F8864971}" srcOrd="0" destOrd="2" presId="urn:microsoft.com/office/officeart/2005/8/layout/hProcess7"/>
+    <dgm:cxn modelId="{1FE0E98D-2EC6-4662-A13B-EF360E456833}" srcId="{5E99AB21-A707-45C9-B913-E42F04B06B37}" destId="{E35678D1-F400-4D1E-AE57-917E6F8516D0}" srcOrd="3" destOrd="0" parTransId="{85A994AC-C9A0-48A1-AEB1-45ADD14FAA1C}" sibTransId="{26BA4D09-9F81-4AA2-AD28-71C0E0369A11}"/>
+    <dgm:cxn modelId="{A507AC45-0822-4BD7-890E-5F0BDF1828A8}" type="presOf" srcId="{5E99AB21-A707-45C9-B913-E42F04B06B37}" destId="{001844F4-3BE3-462E-99A9-6EE0F8864971}" srcOrd="0" destOrd="0" presId="urn:microsoft.com/office/officeart/2005/8/layout/hProcess7"/>
+    <dgm:cxn modelId="{4F051A21-79DD-45CB-92AC-645B65D0095D}" type="presOf" srcId="{A1EF9DA4-6CE5-44B7-9EC8-090A36441BC8}" destId="{0321C630-7C3F-429A-9713-A1AE383A0965}" srcOrd="0" destOrd="7" presId="urn:microsoft.com/office/officeart/2005/8/layout/hProcess7"/>
+    <dgm:cxn modelId="{75279C7B-D4AC-41F2-BD62-3C10CB23CBF3}" type="presOf" srcId="{80739ADA-9339-4DEE-B4E2-79BA4318A52C}" destId="{DD8F9A2B-848F-4708-BDF4-FF668D68657C}" srcOrd="0" destOrd="1" presId="urn:microsoft.com/office/officeart/2005/8/layout/hProcess7"/>
+    <dgm:cxn modelId="{CD4A6B81-7276-44E7-8284-6BB40882CFB8}" type="presOf" srcId="{664BC886-B290-4A61-A328-0A26E4E92226}" destId="{DD8F9A2B-848F-4708-BDF4-FF668D68657C}" srcOrd="0" destOrd="6" presId="urn:microsoft.com/office/officeart/2005/8/layout/hProcess7"/>
+    <dgm:cxn modelId="{CB2AE5B5-A6B0-421C-A1B6-BDDD82F5C6D4}" srcId="{5E99AB21-A707-45C9-B913-E42F04B06B37}" destId="{41385FC0-F774-4835-800E-46AB9CA47A12}" srcOrd="1" destOrd="0" parTransId="{9521B966-830E-4668-9970-FE1CF03947B3}" sibTransId="{5D44C092-EBFD-4F8E-9B75-59DC91E505FE}"/>
+    <dgm:cxn modelId="{285AE4C0-C044-4320-928C-3C848F90BCF5}" type="presOf" srcId="{7FA126A8-DC51-499D-9682-4D11A4D6D145}" destId="{0321C630-7C3F-429A-9713-A1AE383A0965}" srcOrd="0" destOrd="2" presId="urn:microsoft.com/office/officeart/2005/8/layout/hProcess7"/>
+    <dgm:cxn modelId="{C6693C9E-DD66-4172-A364-8B68ABA8BEC7}" srcId="{69CF0446-1ADD-48A6-AE6C-146C5D86BA1C}" destId="{871A7859-C30B-4B4D-B645-24C3E9031DB7}" srcOrd="1" destOrd="0" parTransId="{B8061ABA-C226-4EC9-BEF3-510F5B0A8CF8}" sibTransId="{B486601B-5337-4AB9-B8CB-725CB78E2311}"/>
+    <dgm:cxn modelId="{1DFDBD2C-43A9-4B8D-AD97-8D0F9E493011}" type="presOf" srcId="{40E637D8-E57F-4A01-A219-CE4A03DDB958}" destId="{0321C630-7C3F-429A-9713-A1AE383A0965}" srcOrd="0" destOrd="6" presId="urn:microsoft.com/office/officeart/2005/8/layout/hProcess7"/>
+    <dgm:cxn modelId="{532710E3-7D3A-4284-A399-15CA9EE20F2D}" srcId="{08AFC744-AF81-4656-ACE1-EBE50D64813A}" destId="{CF64FF61-0A6C-412C-A5A6-965BBF92114F}" srcOrd="0" destOrd="0" parTransId="{8138DE9C-1D51-461B-933A-A7E9E12F5F69}" sibTransId="{567DECE3-3B9C-49EC-9DF5-7F665A2CEF31}"/>
+    <dgm:cxn modelId="{8046364A-CC7F-460B-91A5-747F76E24100}" type="presOf" srcId="{726E2297-297A-44C3-B498-E8CD6CB27078}" destId="{0321C630-7C3F-429A-9713-A1AE383A0965}" srcOrd="0" destOrd="1" presId="urn:microsoft.com/office/officeart/2005/8/layout/hProcess7"/>
+    <dgm:cxn modelId="{FC54ACAA-0D25-4853-A2CB-6E2F54E6954B}" srcId="{F945D10D-5454-41F6-8B11-AF4FC51582A7}" destId="{2DAFD685-9A9B-4C15-B59F-8F5533596489}" srcOrd="0" destOrd="0" parTransId="{490EF88C-AC16-40FD-A58C-84D5D253DB87}" sibTransId="{5988DAB6-BC35-425C-83DC-F35EEA869B78}"/>
+    <dgm:cxn modelId="{D877D58C-98CE-474D-A754-A23C68B25828}" srcId="{08AFC744-AF81-4656-ACE1-EBE50D64813A}" destId="{69CF0446-1ADD-48A6-AE6C-146C5D86BA1C}" srcOrd="2" destOrd="0" parTransId="{16D4635B-A984-4025-A29E-1FCF366C2C85}" sibTransId="{47A4E271-EBF0-433D-AFE3-C20DC48BE761}"/>
+    <dgm:cxn modelId="{00ABD637-DF20-4B37-9FBF-4A5969547C55}" srcId="{CF64FF61-0A6C-412C-A5A6-965BBF92114F}" destId="{5E99AB21-A707-45C9-B913-E42F04B06B37}" srcOrd="0" destOrd="0" parTransId="{8B512453-436D-4842-A2C9-492EBEE422D7}" sibTransId="{F2AF10D4-7371-4C7E-835B-617F1C931E00}"/>
+    <dgm:cxn modelId="{9F997AD6-B636-425D-B297-1F580097DEBD}" type="presOf" srcId="{F945D10D-5454-41F6-8B11-AF4FC51582A7}" destId="{5E4B6B61-EF3E-45F1-90B8-BD51C782E4DD}" srcOrd="0" destOrd="0" presId="urn:microsoft.com/office/officeart/2005/8/layout/hProcess7"/>
+    <dgm:cxn modelId="{0E0B8523-1413-4FF5-9C5A-21520E590F48}" srcId="{871A7859-C30B-4B4D-B645-24C3E9031DB7}" destId="{0DE4C97B-9B7F-41F0-B49F-52EF2948C6F4}" srcOrd="3" destOrd="0" parTransId="{7F01608A-0DC0-4389-883A-EBA555375004}" sibTransId="{DBDDB3C1-A9BF-45F9-94A9-6B94F7F246A6}"/>
+    <dgm:cxn modelId="{FAACDEE2-8EAE-476A-9795-32F1E59BE32B}" type="presOf" srcId="{E35678D1-F400-4D1E-AE57-917E6F8516D0}" destId="{001844F4-3BE3-462E-99A9-6EE0F8864971}" srcOrd="0" destOrd="4" presId="urn:microsoft.com/office/officeart/2005/8/layout/hProcess7"/>
+    <dgm:cxn modelId="{0F5EF0AA-CF1F-40A9-97B0-44622ADC16BB}" type="presOf" srcId="{1B4ED638-3729-4ED8-94F3-ACB0D41A5F9C}" destId="{0321C630-7C3F-429A-9713-A1AE383A0965}" srcOrd="0" destOrd="4" presId="urn:microsoft.com/office/officeart/2005/8/layout/hProcess7"/>
+    <dgm:cxn modelId="{5F2A9DA7-8EB1-4E89-8A71-483B5CD389F8}" type="presOf" srcId="{69CF0446-1ADD-48A6-AE6C-146C5D86BA1C}" destId="{CC06B582-6E9B-4438-AF1E-A88E8A5F1329}" srcOrd="0" destOrd="0" presId="urn:microsoft.com/office/officeart/2005/8/layout/hProcess7"/>
+    <dgm:cxn modelId="{8924F835-9619-49A9-A348-81DBCE4B9784}" type="presOf" srcId="{4CE08DCA-2882-4F66-8AC9-82519B27AF53}" destId="{001844F4-3BE3-462E-99A9-6EE0F8864971}" srcOrd="0" destOrd="7" presId="urn:microsoft.com/office/officeart/2005/8/layout/hProcess7"/>
+    <dgm:cxn modelId="{73667B3E-680D-417D-ABF4-4DCA13FB7812}" type="presOf" srcId="{69AD3B4A-A585-4663-BBA1-86283E3907A2}" destId="{001844F4-3BE3-462E-99A9-6EE0F8864971}" srcOrd="0" destOrd="5" presId="urn:microsoft.com/office/officeart/2005/8/layout/hProcess7"/>
+    <dgm:cxn modelId="{5C089ED5-E643-494A-8E0E-3376A61B1F17}" srcId="{69AD3B4A-A585-4663-BBA1-86283E3907A2}" destId="{8DB78084-4FD4-47F3-8FF3-D5117F17D03D}" srcOrd="0" destOrd="0" parTransId="{9C1C0853-BA04-4BCC-8B4A-9C5F938549A9}" sibTransId="{B22EB5DE-ED3E-4D75-9204-D4A98EFE667E}"/>
+    <dgm:cxn modelId="{7F9F6906-6BF9-4066-A317-A8FE955E1BC7}" type="presOf" srcId="{31190B30-790B-47E3-BCEE-3E9AF394B10E}" destId="{001844F4-3BE3-462E-99A9-6EE0F8864971}" srcOrd="0" destOrd="3" presId="urn:microsoft.com/office/officeart/2005/8/layout/hProcess7"/>
+    <dgm:cxn modelId="{0F6E2AB3-94F3-4AAF-8A74-3849F6D30664}" srcId="{871A7859-C30B-4B4D-B645-24C3E9031DB7}" destId="{A1EF9DA4-6CE5-44B7-9EC8-090A36441BC8}" srcOrd="1" destOrd="0" parTransId="{C405291C-59EB-4BA3-95AA-7613FE3F8AFA}" sibTransId="{8810849D-274B-42F6-B3DE-7AECA4190F64}"/>
+    <dgm:cxn modelId="{F6EC8767-7281-4D8F-A93C-ADA2732E0701}" srcId="{5E99AB21-A707-45C9-B913-E42F04B06B37}" destId="{29F56D7F-C294-4739-B1C9-F380F8EC58E5}" srcOrd="0" destOrd="0" parTransId="{1EF5A824-DD1A-47C1-B5D1-93C450D8661E}" sibTransId="{1A8F02C8-1582-4840-A0F0-0798103D1A28}"/>
+    <dgm:cxn modelId="{CFEA82CF-8F34-4AA5-AE9D-8F641333559C}" srcId="{871A7859-C30B-4B4D-B645-24C3E9031DB7}" destId="{40E637D8-E57F-4A01-A219-CE4A03DDB958}" srcOrd="0" destOrd="0" parTransId="{472CCC19-6376-430E-AF43-8153EBF1BDD9}" sibTransId="{AD92DC9B-7C9A-4C5D-887A-CDD56B1C37C3}"/>
+    <dgm:cxn modelId="{0AC8E03E-F2E7-4CA7-A9C6-C234393A9E83}" type="presOf" srcId="{ABE73463-E072-4BDF-9E52-4D4DEEBB3C66}" destId="{DD8F9A2B-848F-4708-BDF4-FF668D68657C}" srcOrd="0" destOrd="7" presId="urn:microsoft.com/office/officeart/2005/8/layout/hProcess7"/>
+    <dgm:cxn modelId="{BE708284-2E80-45E2-BA8C-C07D4E80354A}" srcId="{2DAFD685-9A9B-4C15-B59F-8F5533596489}" destId="{D2A466B7-E51B-4378-B99A-08A32BC363C5}" srcOrd="2" destOrd="0" parTransId="{99279ED0-0115-43D7-ADFA-9A48DA150BF2}" sibTransId="{E9A69787-FA8C-441A-B1F9-7D2A0DD9D720}"/>
+    <dgm:cxn modelId="{E6A1C978-DDE6-4AEB-BB30-3D7A58A56F13}" srcId="{69CF0446-1ADD-48A6-AE6C-146C5D86BA1C}" destId="{1A6466BD-C50D-4C19-B02E-470AFDDC1450}" srcOrd="0" destOrd="0" parTransId="{3928053A-8A92-4FE2-9F8C-4F8C1E284BA9}" sibTransId="{FA60EC4B-9817-4F0A-9A0F-1324A3419B38}"/>
+    <dgm:cxn modelId="{CAD1F99D-6070-40A4-B473-A9F18BC93A39}" srcId="{08AFC744-AF81-4656-ACE1-EBE50D64813A}" destId="{F945D10D-5454-41F6-8B11-AF4FC51582A7}" srcOrd="1" destOrd="0" parTransId="{D18FD687-0357-4407-BF3D-EA4E32A42801}" sibTransId="{449BA2E9-94CB-4023-8A63-6AF2F672A397}"/>
+    <dgm:cxn modelId="{8BF9888C-BEF0-4523-B383-C411364A3FAE}" type="presOf" srcId="{FB4B31F5-EE56-42CD-A3DE-AA0E3C88E07D}" destId="{DD8F9A2B-848F-4708-BDF4-FF668D68657C}" srcOrd="0" destOrd="8" presId="urn:microsoft.com/office/officeart/2005/8/layout/hProcess7"/>
+    <dgm:cxn modelId="{24419FDF-64EC-4D8B-9418-809CFA99EC63}" type="presOf" srcId="{2DAFD685-9A9B-4C15-B59F-8F5533596489}" destId="{DD8F9A2B-848F-4708-BDF4-FF668D68657C}" srcOrd="0" destOrd="0" presId="urn:microsoft.com/office/officeart/2005/8/layout/hProcess7"/>
+    <dgm:cxn modelId="{D3062045-78A3-4938-BE74-1C5694A747F8}" type="presOf" srcId="{0DE4C97B-9B7F-41F0-B49F-52EF2948C6F4}" destId="{0321C630-7C3F-429A-9713-A1AE383A0965}" srcOrd="0" destOrd="9" presId="urn:microsoft.com/office/officeart/2005/8/layout/hProcess7"/>
+    <dgm:cxn modelId="{A65BCC24-3F3F-45FD-9CAC-4070DA89383D}" srcId="{1A6466BD-C50D-4C19-B02E-470AFDDC1450}" destId="{3C69143A-7A78-4BE4-BD9B-8064330C466D}" srcOrd="2" destOrd="0" parTransId="{4ECE287B-DA6B-4A4F-A1EB-F5205E6FD1F7}" sibTransId="{17EA6509-6AF9-4579-A694-E4A6EB43DA26}"/>
     <dgm:cxn modelId="{9DEFC059-06A7-4C5C-B413-132DCF9068F5}" srcId="{2DAFD685-9A9B-4C15-B59F-8F5533596489}" destId="{80739ADA-9339-4DEE-B4E2-79BA4318A52C}" srcOrd="0" destOrd="0" parTransId="{202A418C-4192-400D-B6E2-CA32C4005F38}" sibTransId="{1048F745-2798-4597-A8CE-00DDDCB7DD58}"/>
-    <dgm:cxn modelId="{D877D58C-98CE-474D-A754-A23C68B25828}" srcId="{08AFC744-AF81-4656-ACE1-EBE50D64813A}" destId="{69CF0446-1ADD-48A6-AE6C-146C5D86BA1C}" srcOrd="2" destOrd="0" parTransId="{16D4635B-A984-4025-A29E-1FCF366C2C85}" sibTransId="{47A4E271-EBF0-433D-AFE3-C20DC48BE761}"/>
-    <dgm:cxn modelId="{632511D7-E5A4-4146-986D-2A86461153C9}" type="presOf" srcId="{69CF0446-1ADD-48A6-AE6C-146C5D86BA1C}" destId="{F5CBA6C0-1F2A-4A6C-8E1D-E4F9F3A95B3F}" srcOrd="1" destOrd="0" presId="urn:microsoft.com/office/officeart/2005/8/layout/hProcess7"/>
-    <dgm:cxn modelId="{9F997AD6-B636-425D-B297-1F580097DEBD}" type="presOf" srcId="{F945D10D-5454-41F6-8B11-AF4FC51582A7}" destId="{5E4B6B61-EF3E-45F1-90B8-BD51C782E4DD}" srcOrd="0" destOrd="0" presId="urn:microsoft.com/office/officeart/2005/8/layout/hProcess7"/>
+    <dgm:cxn modelId="{86942313-A4A5-427A-B869-AD23A6E0941D}" srcId="{F945D10D-5454-41F6-8B11-AF4FC51582A7}" destId="{81432F9D-80A6-469A-99D6-E71B2F7379B4}" srcOrd="1" destOrd="0" parTransId="{CF1CBBEC-C21C-4DDF-98C0-38FEF32D9345}" sibTransId="{4084EA19-EE25-443D-BBAE-9D6264E53529}"/>
+    <dgm:cxn modelId="{CA35E5EF-58C6-489A-A368-30C68AF81444}" type="presOf" srcId="{8DB78084-4FD4-47F3-8FF3-D5117F17D03D}" destId="{001844F4-3BE3-462E-99A9-6EE0F8864971}" srcOrd="0" destOrd="6" presId="urn:microsoft.com/office/officeart/2005/8/layout/hProcess7"/>
     <dgm:cxn modelId="{EBF5F7F6-5BE8-46AA-8150-5CF581740277}" type="presOf" srcId="{F945D10D-5454-41F6-8B11-AF4FC51582A7}" destId="{48DBAC79-AF4D-4077-9B40-9538EDB848B3}" srcOrd="1" destOrd="0" presId="urn:microsoft.com/office/officeart/2005/8/layout/hProcess7"/>
-    <dgm:cxn modelId="{6188B0E6-187E-4948-B7A8-638941E97292}" type="presOf" srcId="{69B4C89A-739B-4EB7-88AA-DD335E573C81}" destId="{001844F4-3BE3-462E-99A9-6EE0F8864971}" srcOrd="0" destOrd="8" presId="urn:microsoft.com/office/officeart/2005/8/layout/hProcess7"/>
-    <dgm:cxn modelId="{A7F3AAA8-CA69-446B-B637-77B0B4161DC3}" type="presOf" srcId="{1A6466BD-C50D-4C19-B02E-470AFDDC1450}" destId="{0321C630-7C3F-429A-9713-A1AE383A0965}" srcOrd="0" destOrd="0" presId="urn:microsoft.com/office/officeart/2005/8/layout/hProcess7"/>
-    <dgm:cxn modelId="{149E6C5E-6E11-4A1D-BB7A-1EB387CB35C3}" srcId="{69AD3B4A-A585-4663-BBA1-86283E3907A2}" destId="{69B4C89A-739B-4EB7-88AA-DD335E573C81}" srcOrd="2" destOrd="0" parTransId="{63FB5A23-AB3C-4C0C-960A-868527E9A421}" sibTransId="{D2B33642-C058-475B-BD9E-17F8B6CDF8F3}"/>
-    <dgm:cxn modelId="{73667B3E-680D-417D-ABF4-4DCA13FB7812}" type="presOf" srcId="{69AD3B4A-A585-4663-BBA1-86283E3907A2}" destId="{001844F4-3BE3-462E-99A9-6EE0F8864971}" srcOrd="0" destOrd="5" presId="urn:microsoft.com/office/officeart/2005/8/layout/hProcess7"/>
-    <dgm:cxn modelId="{4EFB9258-5A62-4D66-9B07-CF54D6992625}" type="presOf" srcId="{3C69143A-7A78-4BE4-BD9B-8064330C466D}" destId="{0321C630-7C3F-429A-9713-A1AE383A0965}" srcOrd="0" destOrd="3" presId="urn:microsoft.com/office/officeart/2005/8/layout/hProcess7"/>
-    <dgm:cxn modelId="{B156317C-ED8C-4C57-9F82-4D9D86513325}" type="presOf" srcId="{6F01CA8C-3581-480F-9C03-B5A28B8617C0}" destId="{0321C630-7C3F-429A-9713-A1AE383A0965}" srcOrd="0" destOrd="4" presId="urn:microsoft.com/office/officeart/2005/8/layout/hProcess7"/>
-    <dgm:cxn modelId="{FC54ACAA-0D25-4853-A2CB-6E2F54E6954B}" srcId="{F945D10D-5454-41F6-8B11-AF4FC51582A7}" destId="{2DAFD685-9A9B-4C15-B59F-8F5533596489}" srcOrd="0" destOrd="0" parTransId="{490EF88C-AC16-40FD-A58C-84D5D253DB87}" sibTransId="{5988DAB6-BC35-425C-83DC-F35EEA869B78}"/>
-    <dgm:cxn modelId="{87605E3A-ED0E-4F13-A0BD-829DEF528DA0}" srcId="{871A7859-C30B-4B4D-B645-24C3E9031DB7}" destId="{C73CA60C-B126-440D-A477-DD3BA8FE024F}" srcOrd="2" destOrd="0" parTransId="{7B2C59B6-0A6E-4D4B-A689-388760769D4C}" sibTransId="{2F4FC2AA-2003-4518-9783-8884083B4674}"/>
-    <dgm:cxn modelId="{B7474C46-64DC-4A7A-A7CC-7F075135E8D6}" type="presOf" srcId="{CDB9A819-E022-464D-9CB5-654F50B1E826}" destId="{0321C630-7C3F-429A-9713-A1AE383A0965}" srcOrd="0" destOrd="5" presId="urn:microsoft.com/office/officeart/2005/8/layout/hProcess7"/>
-    <dgm:cxn modelId="{24419FDF-64EC-4D8B-9418-809CFA99EC63}" type="presOf" srcId="{2DAFD685-9A9B-4C15-B59F-8F5533596489}" destId="{DD8F9A2B-848F-4708-BDF4-FF668D68657C}" srcOrd="0" destOrd="0" presId="urn:microsoft.com/office/officeart/2005/8/layout/hProcess7"/>
+    <dgm:cxn modelId="{C8E8140D-55DD-4167-8B80-1507D91E0222}" srcId="{1A6466BD-C50D-4C19-B02E-470AFDDC1450}" destId="{7FA126A8-DC51-499D-9682-4D11A4D6D145}" srcOrd="1" destOrd="0" parTransId="{203948B3-AED3-411D-9D62-EBB459365D00}" sibTransId="{16339C19-76F1-4E82-B818-D491537633DC}"/>
+    <dgm:cxn modelId="{B75EB42A-07A3-4CF5-9B7C-7179F69DD863}" type="presOf" srcId="{B201BF22-5AA1-4A68-B3AE-0D941CAF681A}" destId="{DD8F9A2B-848F-4708-BDF4-FF668D68657C}" srcOrd="0" destOrd="4" presId="urn:microsoft.com/office/officeart/2005/8/layout/hProcess7"/>
+    <dgm:cxn modelId="{82DD6ED0-EC36-4E12-AEEC-DF0356907169}" srcId="{2DAFD685-9A9B-4C15-B59F-8F5533596489}" destId="{298D06B6-5F00-455F-9710-54AB2945662F}" srcOrd="1" destOrd="0" parTransId="{6E1B8BC8-8928-4842-9A44-AD72FAAA3CA3}" sibTransId="{71EF37E4-7BB8-48C6-BEE1-88513F446F4C}"/>
     <dgm:cxn modelId="{BD42A458-DA97-40EB-9DA6-209956F7D2DE}" srcId="{81432F9D-80A6-469A-99D6-E71B2F7379B4}" destId="{ABE73463-E072-4BDF-9E52-4D4DEEBB3C66}" srcOrd="1" destOrd="0" parTransId="{AF31A4A8-E410-4F5F-ADC0-20FCFF89084B}" sibTransId="{3EAA28B5-2ACD-4DE9-B4E8-729171B28DEC}"/>
-    <dgm:cxn modelId="{C8E8140D-55DD-4167-8B80-1507D91E0222}" srcId="{1A6466BD-C50D-4C19-B02E-470AFDDC1450}" destId="{7FA126A8-DC51-499D-9682-4D11A4D6D145}" srcOrd="1" destOrd="0" parTransId="{203948B3-AED3-411D-9D62-EBB459365D00}" sibTransId="{16339C19-76F1-4E82-B818-D491537633DC}"/>
-    <dgm:cxn modelId="{BE708284-2E80-45E2-BA8C-C07D4E80354A}" srcId="{2DAFD685-9A9B-4C15-B59F-8F5533596489}" destId="{D2A466B7-E51B-4378-B99A-08A32BC363C5}" srcOrd="2" destOrd="0" parTransId="{99279ED0-0115-43D7-ADFA-9A48DA150BF2}" sibTransId="{E9A69787-FA8C-441A-B1F9-7D2A0DD9D720}"/>
-    <dgm:cxn modelId="{F6EC8767-7281-4D8F-A93C-ADA2732E0701}" srcId="{5E99AB21-A707-45C9-B913-E42F04B06B37}" destId="{29F56D7F-C294-4739-B1C9-F380F8EC58E5}" srcOrd="0" destOrd="0" parTransId="{1EF5A824-DD1A-47C1-B5D1-93C450D8661E}" sibTransId="{1A8F02C8-1582-4840-A0F0-0798103D1A28}"/>
-    <dgm:cxn modelId="{8BF9888C-BEF0-4523-B383-C411364A3FAE}" type="presOf" srcId="{FB4B31F5-EE56-42CD-A3DE-AA0E3C88E07D}" destId="{DD8F9A2B-848F-4708-BDF4-FF668D68657C}" srcOrd="0" destOrd="7" presId="urn:microsoft.com/office/officeart/2005/8/layout/hProcess7"/>
-    <dgm:cxn modelId="{5C089ED5-E643-494A-8E0E-3376A61B1F17}" srcId="{69AD3B4A-A585-4663-BBA1-86283E3907A2}" destId="{8DB78084-4FD4-47F3-8FF3-D5117F17D03D}" srcOrd="0" destOrd="0" parTransId="{9C1C0853-BA04-4BCC-8B4A-9C5F938549A9}" sibTransId="{B22EB5DE-ED3E-4D75-9204-D4A98EFE667E}"/>
-    <dgm:cxn modelId="{A65BCC24-3F3F-45FD-9CAC-4070DA89383D}" srcId="{1A6466BD-C50D-4C19-B02E-470AFDDC1450}" destId="{3C69143A-7A78-4BE4-BD9B-8064330C466D}" srcOrd="2" destOrd="0" parTransId="{4ECE287B-DA6B-4A4F-A1EB-F5205E6FD1F7}" sibTransId="{17EA6509-6AF9-4579-A694-E4A6EB43DA26}"/>
-    <dgm:cxn modelId="{CED903CE-B1B2-426B-86E3-8CDB2BEE7BCE}" type="presOf" srcId="{C73CA60C-B126-440D-A477-DD3BA8FE024F}" destId="{0321C630-7C3F-429A-9713-A1AE383A0965}" srcOrd="0" destOrd="9" presId="urn:microsoft.com/office/officeart/2005/8/layout/hProcess7"/>
-    <dgm:cxn modelId="{5FD28ADB-9749-4F9E-B943-ADF4A68A2562}" srcId="{1A6466BD-C50D-4C19-B02E-470AFDDC1450}" destId="{6F01CA8C-3581-480F-9C03-B5A28B8617C0}" srcOrd="3" destOrd="0" parTransId="{7B2AFEF7-646E-455E-929E-5914D7038AF2}" sibTransId="{9AC70B6A-A4CB-4D25-BB2E-BD49E8553147}"/>
-    <dgm:cxn modelId="{C6693C9E-DD66-4172-A364-8B68ABA8BEC7}" srcId="{69CF0446-1ADD-48A6-AE6C-146C5D86BA1C}" destId="{871A7859-C30B-4B4D-B645-24C3E9031DB7}" srcOrd="1" destOrd="0" parTransId="{B8061ABA-C226-4EC9-BEF3-510F5B0A8CF8}" sibTransId="{B486601B-5337-4AB9-B8CB-725CB78E2311}"/>
-    <dgm:cxn modelId="{7F9F6906-6BF9-4066-A317-A8FE955E1BC7}" type="presOf" srcId="{31190B30-790B-47E3-BCEE-3E9AF394B10E}" destId="{001844F4-3BE3-462E-99A9-6EE0F8864971}" srcOrd="0" destOrd="3" presId="urn:microsoft.com/office/officeart/2005/8/layout/hProcess7"/>
-    <dgm:cxn modelId="{82DD6ED0-EC36-4E12-AEEC-DF0356907169}" srcId="{2DAFD685-9A9B-4C15-B59F-8F5533596489}" destId="{298D06B6-5F00-455F-9710-54AB2945662F}" srcOrd="1" destOrd="0" parTransId="{6E1B8BC8-8928-4842-9A44-AD72FAAA3CA3}" sibTransId="{71EF37E4-7BB8-48C6-BEE1-88513F446F4C}"/>
-    <dgm:cxn modelId="{5F2A9DA7-8EB1-4E89-8A71-483B5CD389F8}" type="presOf" srcId="{69CF0446-1ADD-48A6-AE6C-146C5D86BA1C}" destId="{CC06B582-6E9B-4438-AF1E-A88E8A5F1329}" srcOrd="0" destOrd="0" presId="urn:microsoft.com/office/officeart/2005/8/layout/hProcess7"/>
-    <dgm:cxn modelId="{CA35E5EF-58C6-489A-A368-30C68AF81444}" type="presOf" srcId="{8DB78084-4FD4-47F3-8FF3-D5117F17D03D}" destId="{001844F4-3BE3-462E-99A9-6EE0F8864971}" srcOrd="0" destOrd="6" presId="urn:microsoft.com/office/officeart/2005/8/layout/hProcess7"/>
-    <dgm:cxn modelId="{9298D11F-61B5-4C12-A086-A16B43C7FEE3}" srcId="{CF64FF61-0A6C-412C-A5A6-965BBF92114F}" destId="{69AD3B4A-A585-4663-BBA1-86283E3907A2}" srcOrd="1" destOrd="0" parTransId="{EA54551A-E0A5-41E5-BF53-DDC692B2510B}" sibTransId="{67268EF2-A13E-4962-BF23-2CF5B1B97D33}"/>
-    <dgm:cxn modelId="{CB2AE5B5-A6B0-421C-A1B6-BDDD82F5C6D4}" srcId="{5E99AB21-A707-45C9-B913-E42F04B06B37}" destId="{41385FC0-F774-4835-800E-46AB9CA47A12}" srcOrd="1" destOrd="0" parTransId="{9521B966-830E-4668-9970-FE1CF03947B3}" sibTransId="{5D44C092-EBFD-4F8E-9B75-59DC91E505FE}"/>
-    <dgm:cxn modelId="{2A211FAD-B053-435B-B17F-D79C355A8555}" srcId="{5E99AB21-A707-45C9-B913-E42F04B06B37}" destId="{31190B30-790B-47E3-BCEE-3E9AF394B10E}" srcOrd="2" destOrd="0" parTransId="{B3300D65-1C77-468F-A723-D3C0DB79D5C3}" sibTransId="{B72921A4-A870-4068-8988-A10B09CAFC26}"/>
-    <dgm:cxn modelId="{7D2FE139-5EC7-4AFF-AD1A-E029ED21E4B7}" type="presOf" srcId="{D63AB0CB-C608-4F8B-A1E7-2749A50FB330}" destId="{0321C630-7C3F-429A-9713-A1AE383A0965}" srcOrd="0" destOrd="8" presId="urn:microsoft.com/office/officeart/2005/8/layout/hProcess7"/>
-    <dgm:cxn modelId="{1CDD127A-9415-4684-893C-14B8F25F0149}" srcId="{1A6466BD-C50D-4C19-B02E-470AFDDC1450}" destId="{726E2297-297A-44C3-B498-E8CD6CB27078}" srcOrd="0" destOrd="0" parTransId="{CD111CD3-ED44-4FDF-9641-E139DD9F8AAB}" sibTransId="{9870E016-4586-483A-86EB-3427FD12F634}"/>
-    <dgm:cxn modelId="{70C2531A-EECD-491D-B9CB-7B989A590014}" srcId="{1A6466BD-C50D-4C19-B02E-470AFDDC1450}" destId="{CDB9A819-E022-464D-9CB5-654F50B1E826}" srcOrd="4" destOrd="0" parTransId="{8522B5E5-F331-4FCF-89E9-843BFABF4144}" sibTransId="{B6B6E29E-5A6B-430D-9B0D-CE9A3E8DF7D5}"/>
-    <dgm:cxn modelId="{0BF9F531-3931-4D7D-B454-54B25DA7B176}" srcId="{81432F9D-80A6-469A-99D6-E71B2F7379B4}" destId="{664BC886-B290-4A61-A328-0A26E4E92226}" srcOrd="0" destOrd="0" parTransId="{184D51F8-6B82-4834-BDAF-597F683D0E60}" sibTransId="{DB1CBCA1-78F2-48B3-9B4A-1A6250432647}"/>
-    <dgm:cxn modelId="{0AC8E03E-F2E7-4CA7-A9C6-C234393A9E83}" type="presOf" srcId="{ABE73463-E072-4BDF-9E52-4D4DEEBB3C66}" destId="{DD8F9A2B-848F-4708-BDF4-FF668D68657C}" srcOrd="0" destOrd="6" presId="urn:microsoft.com/office/officeart/2005/8/layout/hProcess7"/>
-    <dgm:cxn modelId="{BF446BD8-26F4-4E4B-9381-A0AC19DDEF0D}" type="presOf" srcId="{C6ACDFD9-0989-42E3-97D3-3919415126BD}" destId="{0321C630-7C3F-429A-9713-A1AE383A0965}" srcOrd="0" destOrd="7" presId="urn:microsoft.com/office/officeart/2005/8/layout/hProcess7"/>
-    <dgm:cxn modelId="{9BBAD832-3899-42BD-9369-300C7B65C2C4}" type="presOf" srcId="{41385FC0-F774-4835-800E-46AB9CA47A12}" destId="{001844F4-3BE3-462E-99A9-6EE0F8864971}" srcOrd="0" destOrd="2" presId="urn:microsoft.com/office/officeart/2005/8/layout/hProcess7"/>
-    <dgm:cxn modelId="{285AE4C0-C044-4320-928C-3C848F90BCF5}" type="presOf" srcId="{7FA126A8-DC51-499D-9682-4D11A4D6D145}" destId="{0321C630-7C3F-429A-9713-A1AE383A0965}" srcOrd="0" destOrd="2" presId="urn:microsoft.com/office/officeart/2005/8/layout/hProcess7"/>
-    <dgm:cxn modelId="{740E5A35-B332-46CB-9901-5A6B1039F14C}" type="presOf" srcId="{08AFC744-AF81-4656-ACE1-EBE50D64813A}" destId="{270B64D9-A18C-4CA9-AE8C-C99E9450D7BC}" srcOrd="0" destOrd="0" presId="urn:microsoft.com/office/officeart/2005/8/layout/hProcess7"/>
-    <dgm:cxn modelId="{E6A1C978-DDE6-4AEB-BB30-3D7A58A56F13}" srcId="{69CF0446-1ADD-48A6-AE6C-146C5D86BA1C}" destId="{1A6466BD-C50D-4C19-B02E-470AFDDC1450}" srcOrd="0" destOrd="0" parTransId="{3928053A-8A92-4FE2-9F8C-4F8C1E284BA9}" sibTransId="{FA60EC4B-9817-4F0A-9A0F-1324A3419B38}"/>
-    <dgm:cxn modelId="{CD4A6B81-7276-44E7-8284-6BB40882CFB8}" type="presOf" srcId="{664BC886-B290-4A61-A328-0A26E4E92226}" destId="{DD8F9A2B-848F-4708-BDF4-FF668D68657C}" srcOrd="0" destOrd="5" presId="urn:microsoft.com/office/officeart/2005/8/layout/hProcess7"/>
-    <dgm:cxn modelId="{14DA9D29-93A0-4B7A-B82F-22473A35AF22}" type="presOf" srcId="{29F56D7F-C294-4739-B1C9-F380F8EC58E5}" destId="{001844F4-3BE3-462E-99A9-6EE0F8864971}" srcOrd="0" destOrd="1" presId="urn:microsoft.com/office/officeart/2005/8/layout/hProcess7"/>
-    <dgm:cxn modelId="{532710E3-7D3A-4284-A399-15CA9EE20F2D}" srcId="{08AFC744-AF81-4656-ACE1-EBE50D64813A}" destId="{CF64FF61-0A6C-412C-A5A6-965BBF92114F}" srcOrd="0" destOrd="0" parTransId="{8138DE9C-1D51-461B-933A-A7E9E12F5F69}" sibTransId="{567DECE3-3B9C-49EC-9DF5-7F665A2CEF31}"/>
-    <dgm:cxn modelId="{1FE0E98D-2EC6-4662-A13B-EF360E456833}" srcId="{5E99AB21-A707-45C9-B913-E42F04B06B37}" destId="{E35678D1-F400-4D1E-AE57-917E6F8516D0}" srcOrd="3" destOrd="0" parTransId="{85A994AC-C9A0-48A1-AEB1-45ADD14FAA1C}" sibTransId="{26BA4D09-9F81-4AA2-AD28-71C0E0369A11}"/>
-    <dgm:cxn modelId="{86942313-A4A5-427A-B869-AD23A6E0941D}" srcId="{F945D10D-5454-41F6-8B11-AF4FC51582A7}" destId="{81432F9D-80A6-469A-99D6-E71B2F7379B4}" srcOrd="1" destOrd="0" parTransId="{CF1CBBEC-C21C-4DDF-98C0-38FEF32D9345}" sibTransId="{4084EA19-EE25-443D-BBAE-9D6264E53529}"/>
-    <dgm:cxn modelId="{B3AD62DE-A695-40E4-8013-A161B285F570}" type="presOf" srcId="{871A7859-C30B-4B4D-B645-24C3E9031DB7}" destId="{0321C630-7C3F-429A-9713-A1AE383A0965}" srcOrd="0" destOrd="6" presId="urn:microsoft.com/office/officeart/2005/8/layout/hProcess7"/>
-    <dgm:cxn modelId="{8046364A-CC7F-460B-91A5-747F76E24100}" type="presOf" srcId="{726E2297-297A-44C3-B498-E8CD6CB27078}" destId="{0321C630-7C3F-429A-9713-A1AE383A0965}" srcOrd="0" destOrd="1" presId="urn:microsoft.com/office/officeart/2005/8/layout/hProcess7"/>
-    <dgm:cxn modelId="{FAACDEE2-8EAE-476A-9795-32F1E59BE32B}" type="presOf" srcId="{E35678D1-F400-4D1E-AE57-917E6F8516D0}" destId="{001844F4-3BE3-462E-99A9-6EE0F8864971}" srcOrd="0" destOrd="4" presId="urn:microsoft.com/office/officeart/2005/8/layout/hProcess7"/>
-    <dgm:cxn modelId="{A507AC45-0822-4BD7-890E-5F0BDF1828A8}" type="presOf" srcId="{5E99AB21-A707-45C9-B913-E42F04B06B37}" destId="{001844F4-3BE3-462E-99A9-6EE0F8864971}" srcOrd="0" destOrd="0" presId="urn:microsoft.com/office/officeart/2005/8/layout/hProcess7"/>
-    <dgm:cxn modelId="{75279C7B-D4AC-41F2-BD62-3C10CB23CBF3}" type="presOf" srcId="{80739ADA-9339-4DEE-B4E2-79BA4318A52C}" destId="{DD8F9A2B-848F-4708-BDF4-FF668D68657C}" srcOrd="0" destOrd="1" presId="urn:microsoft.com/office/officeart/2005/8/layout/hProcess7"/>
-    <dgm:cxn modelId="{8924F835-9619-49A9-A348-81DBCE4B9784}" type="presOf" srcId="{4CE08DCA-2882-4F66-8AC9-82519B27AF53}" destId="{001844F4-3BE3-462E-99A9-6EE0F8864971}" srcOrd="0" destOrd="7" presId="urn:microsoft.com/office/officeart/2005/8/layout/hProcess7"/>
-    <dgm:cxn modelId="{D1751D11-DAB1-4E88-BA19-6993CC2A0EF3}" type="presOf" srcId="{CF64FF61-0A6C-412C-A5A6-965BBF92114F}" destId="{584C3341-5397-4F6B-A20F-021A7F889EFE}" srcOrd="1" destOrd="0" presId="urn:microsoft.com/office/officeart/2005/8/layout/hProcess7"/>
-    <dgm:cxn modelId="{CAD1F99D-6070-40A4-B473-A9F18BC93A39}" srcId="{08AFC744-AF81-4656-ACE1-EBE50D64813A}" destId="{F945D10D-5454-41F6-8B11-AF4FC51582A7}" srcOrd="1" destOrd="0" parTransId="{D18FD687-0357-4407-BF3D-EA4E32A42801}" sibTransId="{449BA2E9-94CB-4023-8A63-6AF2F672A397}"/>
-    <dgm:cxn modelId="{E7783DBB-54C2-4A5C-91F9-5FB9A5BE49D8}" srcId="{81432F9D-80A6-469A-99D6-E71B2F7379B4}" destId="{FB4B31F5-EE56-42CD-A3DE-AA0E3C88E07D}" srcOrd="2" destOrd="0" parTransId="{A338F487-C43C-4C1D-8E48-61F4063B20F0}" sibTransId="{EA7D2745-15D0-4985-994D-1833749FEB16}"/>
-    <dgm:cxn modelId="{5DF6FDD8-0802-4869-A210-DC90E4A06C66}" type="presOf" srcId="{D2A466B7-E51B-4378-B99A-08A32BC363C5}" destId="{DD8F9A2B-848F-4708-BDF4-FF668D68657C}" srcOrd="0" destOrd="3" presId="urn:microsoft.com/office/officeart/2005/8/layout/hProcess7"/>
-    <dgm:cxn modelId="{1FA1B3C0-5940-48C6-98CB-7A681F7EDC21}" type="presOf" srcId="{298D06B6-5F00-455F-9710-54AB2945662F}" destId="{DD8F9A2B-848F-4708-BDF4-FF668D68657C}" srcOrd="0" destOrd="2" presId="urn:microsoft.com/office/officeart/2005/8/layout/hProcess7"/>
-    <dgm:cxn modelId="{3E9D632C-A15E-43BA-9ED5-8A6F8950090B}" srcId="{871A7859-C30B-4B4D-B645-24C3E9031DB7}" destId="{C6ACDFD9-0989-42E3-97D3-3919415126BD}" srcOrd="0" destOrd="0" parTransId="{1D1B1FE8-9A12-4AA5-8E71-0A665193769F}" sibTransId="{2C9071A0-D337-4355-8C06-1392FD884BCB}"/>
-    <dgm:cxn modelId="{00ABD637-DF20-4B37-9FBF-4A5969547C55}" srcId="{CF64FF61-0A6C-412C-A5A6-965BBF92114F}" destId="{5E99AB21-A707-45C9-B913-E42F04B06B37}" srcOrd="0" destOrd="0" parTransId="{8B512453-436D-4842-A2C9-492EBEE422D7}" sibTransId="{F2AF10D4-7371-4C7E-835B-617F1C931E00}"/>
-    <dgm:cxn modelId="{D3113BAF-5175-4C2C-A399-0C10D2A87A66}" srcId="{871A7859-C30B-4B4D-B645-24C3E9031DB7}" destId="{D63AB0CB-C608-4F8B-A1E7-2749A50FB330}" srcOrd="1" destOrd="0" parTransId="{F5D01D06-75C8-49E5-BC97-9D6E452E08E5}" sibTransId="{CC40CE7E-7BC2-4CBD-9080-BFD12262DC36}"/>
-    <dgm:cxn modelId="{AE27F3F4-ACD5-47BD-B54E-E2B5DA660DB6}" type="presOf" srcId="{81432F9D-80A6-469A-99D6-E71B2F7379B4}" destId="{DD8F9A2B-848F-4708-BDF4-FF668D68657C}" srcOrd="0" destOrd="4" presId="urn:microsoft.com/office/officeart/2005/8/layout/hProcess7"/>
-    <dgm:cxn modelId="{E864BB40-A99B-4F6E-823E-DED7D968AA48}" type="presOf" srcId="{CF64FF61-0A6C-412C-A5A6-965BBF92114F}" destId="{857247AC-D092-40E2-A3AB-F5BBA7724E0D}" srcOrd="0" destOrd="0" presId="urn:microsoft.com/office/officeart/2005/8/layout/hProcess7"/>
     <dgm:cxn modelId="{D97817FF-8EEA-44FE-8A1C-33A34A526C51}" type="presParOf" srcId="{270B64D9-A18C-4CA9-AE8C-C99E9450D7BC}" destId="{E5B9ABDE-E645-4174-9AA6-5F05872E4F11}" srcOrd="0" destOrd="0" presId="urn:microsoft.com/office/officeart/2005/8/layout/hProcess7"/>
     <dgm:cxn modelId="{87782481-70C9-47CC-954F-B58C7AACBFF0}" type="presParOf" srcId="{E5B9ABDE-E645-4174-9AA6-5F05872E4F11}" destId="{857247AC-D092-40E2-A3AB-F5BBA7724E0D}" srcOrd="0" destOrd="0" presId="urn:microsoft.com/office/officeart/2005/8/layout/hProcess7"/>
     <dgm:cxn modelId="{61A5DF03-3ABE-4CE9-9A90-EEB04CF65B9C}" type="presParOf" srcId="{E5B9ABDE-E645-4174-9AA6-5F05872E4F11}" destId="{584C3341-5397-4F6B-A20F-021A7F889EFE}" srcOrd="1" destOrd="0" presId="urn:microsoft.com/office/officeart/2005/8/layout/hProcess7"/>
@@ -2506,8 +2612,8 @@
       </dsp:nvSpPr>
       <dsp:spPr>
         <a:xfrm>
-          <a:off x="636" y="275915"/>
-          <a:ext cx="2737164" cy="4357872"/>
+          <a:off x="682" y="219683"/>
+          <a:ext cx="2938275" cy="3971995"/>
         </a:xfrm>
         <a:prstGeom prst="roundRect">
           <a:avLst>
@@ -2550,12 +2656,12 @@
         </a:fontRef>
       </dsp:style>
       <dsp:txBody>
-        <a:bodyPr spcFirstLastPara="0" vert="horz" wrap="square" lIns="0" tIns="106299" rIns="137795" bIns="0" numCol="1" spcCol="1270" anchor="t" anchorCtr="0">
+        <a:bodyPr spcFirstLastPara="0" vert="horz" wrap="square" lIns="0" tIns="113157" rIns="146685" bIns="0" numCol="1" spcCol="1270" anchor="t" anchorCtr="0">
           <a:noAutofit/>
         </a:bodyPr>
         <a:lstStyle/>
         <a:p>
-          <a:pPr lvl="0" algn="r" defTabSz="1377950">
+          <a:pPr lvl="0" algn="r" defTabSz="1466850">
             <a:lnSpc>
               <a:spcPct val="90000"/>
             </a:lnSpc>
@@ -2567,15 +2673,15 @@
             </a:spcAft>
           </a:pPr>
           <a:r>
-            <a:rPr lang="fr-FR" sz="3100" kern="1200" dirty="0" smtClean="0"/>
+            <a:rPr lang="fr-FR" sz="3300" kern="1200" dirty="0" smtClean="0"/>
             <a:t>Jour 1</a:t>
           </a:r>
-          <a:endParaRPr lang="fr-FR" sz="3100" kern="1200" dirty="0"/>
+          <a:endParaRPr lang="fr-FR" sz="3300" kern="1200" dirty="0"/>
         </a:p>
       </dsp:txBody>
       <dsp:txXfrm rot="16200000">
-        <a:off x="-1512375" y="1788926"/>
-        <a:ext cx="3573455" cy="547432"/>
+        <a:off x="-1334007" y="1554374"/>
+        <a:ext cx="3257036" cy="587655"/>
       </dsp:txXfrm>
     </dsp:sp>
     <dsp:sp modelId="{001844F4-3BE3-462E-99A9-6EE0F8864971}">
@@ -2585,8 +2691,8 @@
       </dsp:nvSpPr>
       <dsp:spPr>
         <a:xfrm>
-          <a:off x="548069" y="275915"/>
-          <a:ext cx="2039187" cy="4357872"/>
+          <a:off x="588337" y="219683"/>
+          <a:ext cx="2189014" cy="3971995"/>
         </a:xfrm>
         <a:prstGeom prst="rect">
           <a:avLst/>
@@ -2797,14 +2903,14 @@
           </a:pPr>
           <a:r>
             <a:rPr lang="fr-FR" sz="1800" kern="1200" dirty="0" smtClean="0"/>
-            <a:t>Core concepts</a:t>
+            <a:t>Modules</a:t>
           </a:r>
           <a:endParaRPr lang="fr-FR" sz="1800" kern="1200" dirty="0"/>
         </a:p>
       </dsp:txBody>
       <dsp:txXfrm>
-        <a:off x="548069" y="275915"/>
-        <a:ext cx="2039187" cy="4357872"/>
+        <a:off x="588337" y="219683"/>
+        <a:ext cx="2189014" cy="3971995"/>
       </dsp:txXfrm>
     </dsp:sp>
     <dsp:sp modelId="{5E4B6B61-EF3E-45F1-90B8-BD51C782E4DD}">
@@ -2814,8 +2920,8 @@
       </dsp:nvSpPr>
       <dsp:spPr>
         <a:xfrm>
-          <a:off x="2870662" y="238831"/>
-          <a:ext cx="2737164" cy="4357872"/>
+          <a:off x="3081581" y="179876"/>
+          <a:ext cx="2938275" cy="3971995"/>
         </a:xfrm>
         <a:prstGeom prst="roundRect">
           <a:avLst>
@@ -2858,12 +2964,12 @@
         </a:fontRef>
       </dsp:style>
       <dsp:txBody>
-        <a:bodyPr spcFirstLastPara="0" vert="horz" wrap="square" lIns="0" tIns="106299" rIns="137795" bIns="0" numCol="1" spcCol="1270" anchor="t" anchorCtr="0">
+        <a:bodyPr spcFirstLastPara="0" vert="horz" wrap="square" lIns="0" tIns="113157" rIns="146685" bIns="0" numCol="1" spcCol="1270" anchor="t" anchorCtr="0">
           <a:noAutofit/>
         </a:bodyPr>
         <a:lstStyle/>
         <a:p>
-          <a:pPr lvl="0" algn="r" defTabSz="1377950">
+          <a:pPr lvl="0" algn="r" defTabSz="1466850">
             <a:lnSpc>
               <a:spcPct val="90000"/>
             </a:lnSpc>
@@ -2875,15 +2981,15 @@
             </a:spcAft>
           </a:pPr>
           <a:r>
-            <a:rPr lang="fr-FR" sz="3100" kern="1200" dirty="0" smtClean="0"/>
+            <a:rPr lang="fr-FR" sz="3300" kern="1200" dirty="0" smtClean="0"/>
             <a:t>Jour 2</a:t>
           </a:r>
-          <a:endParaRPr lang="fr-FR" sz="3100" kern="1200" dirty="0"/>
+          <a:endParaRPr lang="fr-FR" sz="3300" kern="1200" dirty="0"/>
         </a:p>
       </dsp:txBody>
       <dsp:txXfrm rot="16200000">
-        <a:off x="1357651" y="1751843"/>
-        <a:ext cx="3573455" cy="547432"/>
+        <a:off x="1746891" y="1514566"/>
+        <a:ext cx="3257036" cy="587655"/>
       </dsp:txXfrm>
     </dsp:sp>
     <dsp:sp modelId="{FED10ADD-F7BA-437C-99DD-F19483D2D69C}">
@@ -2893,8 +2999,8 @@
       </dsp:nvSpPr>
       <dsp:spPr>
         <a:xfrm rot="5400000">
-          <a:off x="2605988" y="2885776"/>
-          <a:ext cx="482596" cy="410574"/>
+          <a:off x="2797261" y="3023632"/>
+          <a:ext cx="518454" cy="440741"/>
         </a:xfrm>
         <a:prstGeom prst="flowChartExtract">
           <a:avLst/>
@@ -2940,8 +3046,8 @@
       </dsp:nvSpPr>
       <dsp:spPr>
         <a:xfrm>
-          <a:off x="3418095" y="238831"/>
-          <a:ext cx="2039187" cy="4357872"/>
+          <a:off x="3669236" y="179876"/>
+          <a:ext cx="2189014" cy="3971995"/>
         </a:xfrm>
         <a:prstGeom prst="rect">
           <a:avLst/>
@@ -3049,6 +3155,21 @@
           <a:endParaRPr lang="fr-FR" sz="1800" kern="1200" dirty="0"/>
         </a:p>
         <a:p>
+          <a:pPr marL="171450" lvl="1" indent="-171450" algn="l" defTabSz="800100">
+            <a:lnSpc>
+              <a:spcPct val="90000"/>
+            </a:lnSpc>
+            <a:spcBef>
+              <a:spcPct val="0"/>
+            </a:spcBef>
+            <a:spcAft>
+              <a:spcPct val="15000"/>
+            </a:spcAft>
+            <a:buChar char="••"/>
+          </a:pPr>
+          <a:endParaRPr lang="fr-FR" sz="1800" kern="1200" dirty="0"/>
+        </a:p>
+        <a:p>
           <a:pPr lvl="0" algn="l" defTabSz="1066800">
             <a:lnSpc>
               <a:spcPct val="90000"/>
@@ -3139,8 +3260,8 @@
         </a:p>
       </dsp:txBody>
       <dsp:txXfrm>
-        <a:off x="3418095" y="238831"/>
-        <a:ext cx="2039187" cy="4357872"/>
+        <a:off x="3669236" y="179876"/>
+        <a:ext cx="2189014" cy="3971995"/>
       </dsp:txXfrm>
     </dsp:sp>
     <dsp:sp modelId="{CC06B582-6E9B-4438-AF1E-A88E8A5F1329}">
@@ -3150,8 +3271,8 @@
       </dsp:nvSpPr>
       <dsp:spPr>
         <a:xfrm>
-          <a:off x="5666567" y="275915"/>
-          <a:ext cx="2737164" cy="4357872"/>
+          <a:off x="6082912" y="219683"/>
+          <a:ext cx="2938275" cy="3971995"/>
         </a:xfrm>
         <a:prstGeom prst="roundRect">
           <a:avLst>
@@ -3194,12 +3315,12 @@
         </a:fontRef>
       </dsp:style>
       <dsp:txBody>
-        <a:bodyPr spcFirstLastPara="0" vert="horz" wrap="square" lIns="0" tIns="106299" rIns="137795" bIns="0" numCol="1" spcCol="1270" anchor="t" anchorCtr="0">
+        <a:bodyPr spcFirstLastPara="0" vert="horz" wrap="square" lIns="0" tIns="113157" rIns="146685" bIns="0" numCol="1" spcCol="1270" anchor="t" anchorCtr="0">
           <a:noAutofit/>
         </a:bodyPr>
         <a:lstStyle/>
         <a:p>
-          <a:pPr lvl="0" algn="r" defTabSz="1377950">
+          <a:pPr lvl="0" algn="r" defTabSz="1466850">
             <a:lnSpc>
               <a:spcPct val="90000"/>
             </a:lnSpc>
@@ -3211,15 +3332,15 @@
             </a:spcAft>
           </a:pPr>
           <a:r>
-            <a:rPr lang="fr-FR" sz="3100" kern="1200" dirty="0" smtClean="0"/>
+            <a:rPr lang="fr-FR" sz="3300" kern="1200" dirty="0" smtClean="0"/>
             <a:t>Jour 3</a:t>
           </a:r>
-          <a:endParaRPr lang="fr-FR" sz="3100" kern="1200" dirty="0"/>
+          <a:endParaRPr lang="fr-FR" sz="3300" kern="1200" dirty="0"/>
         </a:p>
       </dsp:txBody>
       <dsp:txXfrm rot="16200000">
-        <a:off x="4153555" y="1788926"/>
-        <a:ext cx="3573455" cy="547432"/>
+        <a:off x="4748221" y="1554374"/>
+        <a:ext cx="3257036" cy="587655"/>
       </dsp:txXfrm>
     </dsp:sp>
     <dsp:sp modelId="{6360F55A-B7BD-4501-9652-C032A417E16A}">
@@ -3229,8 +3350,8 @@
       </dsp:nvSpPr>
       <dsp:spPr>
         <a:xfrm rot="5400000">
-          <a:off x="5438954" y="2885776"/>
-          <a:ext cx="482596" cy="410574"/>
+          <a:off x="5838376" y="3023632"/>
+          <a:ext cx="518454" cy="440741"/>
         </a:xfrm>
         <a:prstGeom prst="flowChartExtract">
           <a:avLst/>
@@ -3276,8 +3397,8 @@
       </dsp:nvSpPr>
       <dsp:spPr>
         <a:xfrm>
-          <a:off x="6214000" y="275915"/>
-          <a:ext cx="2039187" cy="4357872"/>
+          <a:off x="6670567" y="219683"/>
+          <a:ext cx="2189014" cy="3971995"/>
         </a:xfrm>
         <a:prstGeom prst="rect">
           <a:avLst/>
@@ -3397,29 +3518,6 @@
             </a:spcAft>
             <a:buChar char="••"/>
           </a:pPr>
-          <a:r>
-            <a:rPr lang="fr-FR" sz="1800" kern="1200" dirty="0" smtClean="0"/>
-            <a:t>bower &amp; npm</a:t>
-          </a:r>
-          <a:endParaRPr lang="fr-FR" sz="1800" kern="1200" dirty="0"/>
-        </a:p>
-        <a:p>
-          <a:pPr marL="171450" lvl="1" indent="-171450" algn="l" defTabSz="800100">
-            <a:lnSpc>
-              <a:spcPct val="90000"/>
-            </a:lnSpc>
-            <a:spcBef>
-              <a:spcPct val="0"/>
-            </a:spcBef>
-            <a:spcAft>
-              <a:spcPct val="15000"/>
-            </a:spcAft>
-            <a:buChar char="••"/>
-          </a:pPr>
-          <a:r>
-            <a:rPr lang="fr-FR" sz="1800" kern="1200" dirty="0" smtClean="0"/>
-            <a:t>gulp</a:t>
-          </a:r>
           <a:endParaRPr lang="fr-FR" sz="1800" kern="1200" dirty="0"/>
         </a:p>
         <a:p>
@@ -3468,7 +3566,53 @@
             <a:buChar char="••"/>
           </a:pPr>
           <a:r>
+            <a:rPr lang="fr-FR" sz="1800" kern="1200" dirty="0" err="1" smtClean="0"/>
+            <a:t>bower</a:t>
+          </a:r>
+          <a:r>
             <a:rPr lang="fr-FR" sz="1800" kern="1200" dirty="0" smtClean="0"/>
+            <a:t> &amp; </a:t>
+          </a:r>
+          <a:r>
+            <a:rPr lang="fr-FR" sz="1800" kern="1200" dirty="0" err="1" smtClean="0"/>
+            <a:t>npm</a:t>
+          </a:r>
+          <a:endParaRPr lang="fr-FR" sz="1800" kern="1200" dirty="0"/>
+        </a:p>
+        <a:p>
+          <a:pPr marL="171450" lvl="1" indent="-171450" algn="l" defTabSz="800100">
+            <a:lnSpc>
+              <a:spcPct val="90000"/>
+            </a:lnSpc>
+            <a:spcBef>
+              <a:spcPct val="0"/>
+            </a:spcBef>
+            <a:spcAft>
+              <a:spcPct val="15000"/>
+            </a:spcAft>
+            <a:buChar char="••"/>
+          </a:pPr>
+          <a:r>
+            <a:rPr lang="fr-FR" sz="1800" kern="1200" dirty="0" err="1" smtClean="0"/>
+            <a:t>gulp</a:t>
+          </a:r>
+          <a:endParaRPr lang="fr-FR" sz="1800" kern="1200" dirty="0"/>
+        </a:p>
+        <a:p>
+          <a:pPr marL="171450" lvl="1" indent="-171450" algn="l" defTabSz="800100">
+            <a:lnSpc>
+              <a:spcPct val="90000"/>
+            </a:lnSpc>
+            <a:spcBef>
+              <a:spcPct val="0"/>
+            </a:spcBef>
+            <a:spcAft>
+              <a:spcPct val="15000"/>
+            </a:spcAft>
+            <a:buChar char="••"/>
+          </a:pPr>
+          <a:r>
+            <a:rPr lang="fr-FR" sz="1800" kern="1200" dirty="0" err="1" smtClean="0"/>
             <a:t>yo</a:t>
           </a:r>
           <a:endParaRPr lang="fr-FR" sz="1800" kern="1200" dirty="0"/>
@@ -3488,33 +3632,18 @@
           </a:pPr>
           <a:r>
             <a:rPr lang="fr-FR" sz="1800" kern="1200" dirty="0" smtClean="0"/>
-            <a:t>Testing</a:t>
+            <a:t>The future of </a:t>
           </a:r>
-          <a:endParaRPr lang="fr-FR" sz="1800" kern="1200" dirty="0"/>
-        </a:p>
-        <a:p>
-          <a:pPr marL="171450" lvl="1" indent="-171450" algn="l" defTabSz="800100">
-            <a:lnSpc>
-              <a:spcPct val="90000"/>
-            </a:lnSpc>
-            <a:spcBef>
-              <a:spcPct val="0"/>
-            </a:spcBef>
-            <a:spcAft>
-              <a:spcPct val="15000"/>
-            </a:spcAft>
-            <a:buChar char="••"/>
-          </a:pPr>
           <a:r>
-            <a:rPr lang="fr-FR" sz="1800" kern="1200" dirty="0" smtClean="0"/>
-            <a:t>The future and angular</a:t>
+            <a:rPr lang="fr-FR" sz="1800" kern="1200" dirty="0" err="1" smtClean="0"/>
+            <a:t>angular</a:t>
           </a:r>
           <a:endParaRPr lang="fr-FR" sz="1800" kern="1200" dirty="0"/>
         </a:p>
       </dsp:txBody>
       <dsp:txXfrm>
-        <a:off x="6214000" y="275915"/>
-        <a:ext cx="2039187" cy="4357872"/>
+        <a:off x="6670567" y="219683"/>
+        <a:ext cx="2189014" cy="3971995"/>
       </dsp:txXfrm>
     </dsp:sp>
   </dsp:spTree>
@@ -4992,7 +5121,7 @@
             <a:fld id="{87731427-D242-475D-9180-8940013A50B8}" type="datetimeFigureOut">
               <a:rPr lang="en-GB" smtClean="0"/>
               <a:pPr algn="l"/>
-              <a:t>13/03/2017</a:t>
+              <a:t>09/04/2017</a:t>
             </a:fld>
             <a:endParaRPr lang="en-GB" dirty="0"/>
           </a:p>
@@ -5197,7 +5326,7 @@
             <a:fld id="{BA521D56-F1F4-41A0-82EB-989F4F6F400D}" type="datetimeFigureOut">
               <a:rPr lang="fr-FR" smtClean="0"/>
               <a:pPr/>
-              <a:t>13/03/2017</a:t>
+              <a:t>09/04/2017</a:t>
             </a:fld>
             <a:endParaRPr lang="fr-FR"/>
           </a:p>
@@ -5673,7 +5802,7 @@
           <a:p>
             <a:fld id="{C91EC732-5254-4B62-97DC-9222401B53D6}" type="datetime1">
               <a:rPr lang="fr-FR" smtClean="0"/>
-              <a:t>13/03/2017</a:t>
+              <a:t>09/04/2017</a:t>
             </a:fld>
             <a:endParaRPr lang="fr-FR"/>
           </a:p>
@@ -5804,7 +5933,7 @@
           <a:p>
             <a:fld id="{93544A9A-C4F0-4773-A5F0-D0D338D9D1A1}" type="datetime1">
               <a:rPr lang="fr-FR" smtClean="0"/>
-              <a:t>13/03/2017</a:t>
+              <a:t>09/04/2017</a:t>
             </a:fld>
             <a:endParaRPr lang="fr-FR"/>
           </a:p>
@@ -5935,7 +6064,7 @@
           <a:p>
             <a:fld id="{C25FFB06-7927-469B-9E85-B0C1A5426F15}" type="datetime1">
               <a:rPr lang="fr-FR" smtClean="0"/>
-              <a:t>13/03/2017</a:t>
+              <a:t>09/04/2017</a:t>
             </a:fld>
             <a:endParaRPr lang="fr-FR"/>
           </a:p>
@@ -13947,14 +14076,14 @@
           <p:nvPr>
             <p:extLst>
               <p:ext uri="{D42A27DB-BD31-4B8C-83A1-F6EECF244321}">
-                <p14:modId xmlns:p14="http://schemas.microsoft.com/office/powerpoint/2010/main" val="3178607008"/>
+                <p14:modId xmlns:p14="http://schemas.microsoft.com/office/powerpoint/2010/main" val="1234187670"/>
               </p:ext>
             </p:extLst>
           </p:nvPr>
         </p:nvGraphicFramePr>
         <p:xfrm>
-          <a:off x="418356" y="1643445"/>
-          <a:ext cx="8404368" cy="4909703"/>
+          <a:off x="60346" y="1804085"/>
+          <a:ext cx="9021870" cy="4411363"/>
         </p:xfrm>
         <a:graphic>
           <a:graphicData uri="http://schemas.openxmlformats.org/drawingml/2006/diagram">
@@ -14200,26 +14329,13 @@
           <a:p>
             <a:r>
               <a:rPr lang="fr-FR" sz="2400" dirty="0" smtClean="0"/>
-              <a:t>Nom, prénom, métiers, </a:t>
+              <a:t>Nom, prénom, métiers, agence / ville</a:t>
             </a:r>
+          </a:p>
+          <a:p>
             <a:r>
               <a:rPr lang="fr-FR" sz="2400" dirty="0" smtClean="0"/>
-              <a:t>agence / ville</a:t>
-            </a:r>
-            <a:endParaRPr lang="fr-FR" sz="2400" dirty="0" smtClean="0"/>
-          </a:p>
-          <a:p>
-            <a:r>
-              <a:rPr lang="fr-FR" sz="2400" dirty="0" smtClean="0"/>
-              <a:t>Motivations </a:t>
-            </a:r>
-            <a:r>
-              <a:rPr lang="fr-FR" sz="2400" dirty="0" smtClean="0"/>
-              <a:t>/ intérêts </a:t>
-            </a:r>
-            <a:r>
-              <a:rPr lang="fr-FR" sz="2400" dirty="0" smtClean="0"/>
-              <a:t>pour cette formation ?</a:t>
+              <a:t>Motivations / intérêts pour cette formation ?</a:t>
             </a:r>
             <a:endParaRPr lang="fr-FR" sz="2400" dirty="0"/>
           </a:p>
@@ -14243,7 +14359,6 @@
               <a:rPr lang="fr-FR" sz="2000" dirty="0" smtClean="0"/>
               <a:t>JS ?</a:t>
             </a:r>
-            <a:endParaRPr lang="fr-FR" sz="2000" dirty="0" smtClean="0"/>
           </a:p>
           <a:p>
             <a:pPr lvl="1"/>
